--- a/neutrons/s1_s2_rejection/161026/s1_s2_rejection.pptx
+++ b/neutrons/s1_s2_rejection/161026/s1_s2_rejection.pptx
@@ -269,7 +269,7 @@
           <a:p>
             <a:fld id="{D4CA33D8-370E-40DB-B2F0-402648D9C9E0}" type="datetimeFigureOut">
               <a:rPr lang="ru-RU" smtClean="0"/>
-              <a:t>08.02.2017</a:t>
+              <a:t>06.09.2017</a:t>
             </a:fld>
             <a:endParaRPr lang="ru-RU"/>
           </a:p>
@@ -439,7 +439,7 @@
           <a:p>
             <a:fld id="{D4CA33D8-370E-40DB-B2F0-402648D9C9E0}" type="datetimeFigureOut">
               <a:rPr lang="ru-RU" smtClean="0"/>
-              <a:t>08.02.2017</a:t>
+              <a:t>06.09.2017</a:t>
             </a:fld>
             <a:endParaRPr lang="ru-RU"/>
           </a:p>
@@ -619,7 +619,7 @@
           <a:p>
             <a:fld id="{D4CA33D8-370E-40DB-B2F0-402648D9C9E0}" type="datetimeFigureOut">
               <a:rPr lang="ru-RU" smtClean="0"/>
-              <a:t>08.02.2017</a:t>
+              <a:t>06.09.2017</a:t>
             </a:fld>
             <a:endParaRPr lang="ru-RU"/>
           </a:p>
@@ -789,7 +789,7 @@
           <a:p>
             <a:fld id="{D4CA33D8-370E-40DB-B2F0-402648D9C9E0}" type="datetimeFigureOut">
               <a:rPr lang="ru-RU" smtClean="0"/>
-              <a:t>08.02.2017</a:t>
+              <a:t>06.09.2017</a:t>
             </a:fld>
             <a:endParaRPr lang="ru-RU"/>
           </a:p>
@@ -1035,7 +1035,7 @@
           <a:p>
             <a:fld id="{D4CA33D8-370E-40DB-B2F0-402648D9C9E0}" type="datetimeFigureOut">
               <a:rPr lang="ru-RU" smtClean="0"/>
-              <a:t>08.02.2017</a:t>
+              <a:t>06.09.2017</a:t>
             </a:fld>
             <a:endParaRPr lang="ru-RU"/>
           </a:p>
@@ -1267,7 +1267,7 @@
           <a:p>
             <a:fld id="{D4CA33D8-370E-40DB-B2F0-402648D9C9E0}" type="datetimeFigureOut">
               <a:rPr lang="ru-RU" smtClean="0"/>
-              <a:t>08.02.2017</a:t>
+              <a:t>06.09.2017</a:t>
             </a:fld>
             <a:endParaRPr lang="ru-RU"/>
           </a:p>
@@ -1634,7 +1634,7 @@
           <a:p>
             <a:fld id="{D4CA33D8-370E-40DB-B2F0-402648D9C9E0}" type="datetimeFigureOut">
               <a:rPr lang="ru-RU" smtClean="0"/>
-              <a:t>08.02.2017</a:t>
+              <a:t>06.09.2017</a:t>
             </a:fld>
             <a:endParaRPr lang="ru-RU"/>
           </a:p>
@@ -1752,7 +1752,7 @@
           <a:p>
             <a:fld id="{D4CA33D8-370E-40DB-B2F0-402648D9C9E0}" type="datetimeFigureOut">
               <a:rPr lang="ru-RU" smtClean="0"/>
-              <a:t>08.02.2017</a:t>
+              <a:t>06.09.2017</a:t>
             </a:fld>
             <a:endParaRPr lang="ru-RU"/>
           </a:p>
@@ -1847,7 +1847,7 @@
           <a:p>
             <a:fld id="{D4CA33D8-370E-40DB-B2F0-402648D9C9E0}" type="datetimeFigureOut">
               <a:rPr lang="ru-RU" smtClean="0"/>
-              <a:t>08.02.2017</a:t>
+              <a:t>06.09.2017</a:t>
             </a:fld>
             <a:endParaRPr lang="ru-RU"/>
           </a:p>
@@ -2124,7 +2124,7 @@
           <a:p>
             <a:fld id="{D4CA33D8-370E-40DB-B2F0-402648D9C9E0}" type="datetimeFigureOut">
               <a:rPr lang="ru-RU" smtClean="0"/>
-              <a:t>08.02.2017</a:t>
+              <a:t>06.09.2017</a:t>
             </a:fld>
             <a:endParaRPr lang="ru-RU"/>
           </a:p>
@@ -2377,7 +2377,7 @@
           <a:p>
             <a:fld id="{D4CA33D8-370E-40DB-B2F0-402648D9C9E0}" type="datetimeFigureOut">
               <a:rPr lang="ru-RU" smtClean="0"/>
-              <a:t>08.02.2017</a:t>
+              <a:t>06.09.2017</a:t>
             </a:fld>
             <a:endParaRPr lang="ru-RU"/>
           </a:p>
@@ -2590,7 +2590,7 @@
           <a:p>
             <a:fld id="{D4CA33D8-370E-40DB-B2F0-402648D9C9E0}" type="datetimeFigureOut">
               <a:rPr lang="ru-RU" smtClean="0"/>
-              <a:t>08.02.2017</a:t>
+              <a:t>06.09.2017</a:t>
             </a:fld>
             <a:endParaRPr lang="ru-RU"/>
           </a:p>
@@ -13176,7 +13176,7 @@
         </p:blipFill>
         <p:spPr>
           <a:xfrm>
-            <a:off x="97654" y="1690688"/>
+            <a:off x="1003345" y="1802674"/>
             <a:ext cx="6344150" cy="3922497"/>
           </a:xfrm>
           <a:prstGeom prst="rect">
